--- a/산출물_프로젝트_스킬 관리/설계/AND-06.사용자안내서/20201104_스킬관리_스킬관리상세팝업_사용자지침서.pptx
+++ b/산출물_프로젝트_스킬 관리/설계/AND-06.사용자안내서/20201104_스킬관리_스킬관리상세팝업_사용자지침서.pptx
@@ -132,7 +132,7 @@
           <p:cNvPr id="2" name="제목 1">
             <a:extLst>
               <a:ext uri="{FF2B5EF4-FFF2-40B4-BE49-F238E27FC236}">
-                <a16:creationId xmlns="" xmlns:a16="http://schemas.microsoft.com/office/drawing/2014/main" id="{3E4C8149-B511-48EA-8A58-FA18530320BC}"/>
+                <a16:creationId xmlns:a16="http://schemas.microsoft.com/office/drawing/2014/main" xmlns="" id="{3E4C8149-B511-48EA-8A58-FA18530320BC}"/>
               </a:ext>
             </a:extLst>
           </p:cNvPr>
@@ -169,7 +169,7 @@
           <p:cNvPr id="3" name="부제목 2">
             <a:extLst>
               <a:ext uri="{FF2B5EF4-FFF2-40B4-BE49-F238E27FC236}">
-                <a16:creationId xmlns="" xmlns:a16="http://schemas.microsoft.com/office/drawing/2014/main" id="{580658CE-EBE5-426A-BA5C-BE8F33289FB3}"/>
+                <a16:creationId xmlns:a16="http://schemas.microsoft.com/office/drawing/2014/main" xmlns="" id="{580658CE-EBE5-426A-BA5C-BE8F33289FB3}"/>
               </a:ext>
             </a:extLst>
           </p:cNvPr>
@@ -239,7 +239,7 @@
           <p:cNvPr id="4" name="날짜 개체 틀 3">
             <a:extLst>
               <a:ext uri="{FF2B5EF4-FFF2-40B4-BE49-F238E27FC236}">
-                <a16:creationId xmlns="" xmlns:a16="http://schemas.microsoft.com/office/drawing/2014/main" id="{2FE909EA-7A6A-425C-A3D9-285A4D731401}"/>
+                <a16:creationId xmlns:a16="http://schemas.microsoft.com/office/drawing/2014/main" xmlns="" id="{2FE909EA-7A6A-425C-A3D9-285A4D731401}"/>
               </a:ext>
             </a:extLst>
           </p:cNvPr>
@@ -268,7 +268,7 @@
           <p:cNvPr id="5" name="바닥글 개체 틀 4">
             <a:extLst>
               <a:ext uri="{FF2B5EF4-FFF2-40B4-BE49-F238E27FC236}">
-                <a16:creationId xmlns="" xmlns:a16="http://schemas.microsoft.com/office/drawing/2014/main" id="{6BB20322-C139-41D6-917F-DD130F9D9136}"/>
+                <a16:creationId xmlns:a16="http://schemas.microsoft.com/office/drawing/2014/main" xmlns="" id="{6BB20322-C139-41D6-917F-DD130F9D9136}"/>
               </a:ext>
             </a:extLst>
           </p:cNvPr>
@@ -293,7 +293,7 @@
           <p:cNvPr id="6" name="슬라이드 번호 개체 틀 5">
             <a:extLst>
               <a:ext uri="{FF2B5EF4-FFF2-40B4-BE49-F238E27FC236}">
-                <a16:creationId xmlns="" xmlns:a16="http://schemas.microsoft.com/office/drawing/2014/main" id="{7B7D5799-AC04-4B52-8304-E62C7CF5BD12}"/>
+                <a16:creationId xmlns:a16="http://schemas.microsoft.com/office/drawing/2014/main" xmlns="" id="{7B7D5799-AC04-4B52-8304-E62C7CF5BD12}"/>
               </a:ext>
             </a:extLst>
           </p:cNvPr>
@@ -352,7 +352,7 @@
           <p:cNvPr id="2" name="제목 1">
             <a:extLst>
               <a:ext uri="{FF2B5EF4-FFF2-40B4-BE49-F238E27FC236}">
-                <a16:creationId xmlns="" xmlns:a16="http://schemas.microsoft.com/office/drawing/2014/main" id="{7F14695B-0D8C-456B-A5D1-081B15345E83}"/>
+                <a16:creationId xmlns:a16="http://schemas.microsoft.com/office/drawing/2014/main" xmlns="" id="{7F14695B-0D8C-456B-A5D1-081B15345E83}"/>
               </a:ext>
             </a:extLst>
           </p:cNvPr>
@@ -380,7 +380,7 @@
           <p:cNvPr id="3" name="세로 텍스트 개체 틀 2">
             <a:extLst>
               <a:ext uri="{FF2B5EF4-FFF2-40B4-BE49-F238E27FC236}">
-                <a16:creationId xmlns="" xmlns:a16="http://schemas.microsoft.com/office/drawing/2014/main" id="{6AD05938-C338-428B-A599-16D24DE2C521}"/>
+                <a16:creationId xmlns:a16="http://schemas.microsoft.com/office/drawing/2014/main" xmlns="" id="{6AD05938-C338-428B-A599-16D24DE2C521}"/>
               </a:ext>
             </a:extLst>
           </p:cNvPr>
@@ -437,7 +437,7 @@
           <p:cNvPr id="4" name="날짜 개체 틀 3">
             <a:extLst>
               <a:ext uri="{FF2B5EF4-FFF2-40B4-BE49-F238E27FC236}">
-                <a16:creationId xmlns="" xmlns:a16="http://schemas.microsoft.com/office/drawing/2014/main" id="{D424938D-5537-44F7-9149-7839B7029F36}"/>
+                <a16:creationId xmlns:a16="http://schemas.microsoft.com/office/drawing/2014/main" xmlns="" id="{D424938D-5537-44F7-9149-7839B7029F36}"/>
               </a:ext>
             </a:extLst>
           </p:cNvPr>
@@ -466,7 +466,7 @@
           <p:cNvPr id="5" name="바닥글 개체 틀 4">
             <a:extLst>
               <a:ext uri="{FF2B5EF4-FFF2-40B4-BE49-F238E27FC236}">
-                <a16:creationId xmlns="" xmlns:a16="http://schemas.microsoft.com/office/drawing/2014/main" id="{2DFD593C-D416-4605-93B1-8D5FC638413A}"/>
+                <a16:creationId xmlns:a16="http://schemas.microsoft.com/office/drawing/2014/main" xmlns="" id="{2DFD593C-D416-4605-93B1-8D5FC638413A}"/>
               </a:ext>
             </a:extLst>
           </p:cNvPr>
@@ -491,7 +491,7 @@
           <p:cNvPr id="6" name="슬라이드 번호 개체 틀 5">
             <a:extLst>
               <a:ext uri="{FF2B5EF4-FFF2-40B4-BE49-F238E27FC236}">
-                <a16:creationId xmlns="" xmlns:a16="http://schemas.microsoft.com/office/drawing/2014/main" id="{85086D1F-F79B-4235-9611-8D88B8632261}"/>
+                <a16:creationId xmlns:a16="http://schemas.microsoft.com/office/drawing/2014/main" xmlns="" id="{85086D1F-F79B-4235-9611-8D88B8632261}"/>
               </a:ext>
             </a:extLst>
           </p:cNvPr>
@@ -550,7 +550,7 @@
           <p:cNvPr id="2" name="세로 제목 1">
             <a:extLst>
               <a:ext uri="{FF2B5EF4-FFF2-40B4-BE49-F238E27FC236}">
-                <a16:creationId xmlns="" xmlns:a16="http://schemas.microsoft.com/office/drawing/2014/main" id="{3BF1B9D3-FB3A-45E4-B67A-EEA0B8F3E26A}"/>
+                <a16:creationId xmlns:a16="http://schemas.microsoft.com/office/drawing/2014/main" xmlns="" id="{3BF1B9D3-FB3A-45E4-B67A-EEA0B8F3E26A}"/>
               </a:ext>
             </a:extLst>
           </p:cNvPr>
@@ -583,7 +583,7 @@
           <p:cNvPr id="3" name="세로 텍스트 개체 틀 2">
             <a:extLst>
               <a:ext uri="{FF2B5EF4-FFF2-40B4-BE49-F238E27FC236}">
-                <a16:creationId xmlns="" xmlns:a16="http://schemas.microsoft.com/office/drawing/2014/main" id="{2DA87EF6-A540-459E-908D-C24AF2CB8FC5}"/>
+                <a16:creationId xmlns:a16="http://schemas.microsoft.com/office/drawing/2014/main" xmlns="" id="{2DA87EF6-A540-459E-908D-C24AF2CB8FC5}"/>
               </a:ext>
             </a:extLst>
           </p:cNvPr>
@@ -645,7 +645,7 @@
           <p:cNvPr id="4" name="날짜 개체 틀 3">
             <a:extLst>
               <a:ext uri="{FF2B5EF4-FFF2-40B4-BE49-F238E27FC236}">
-                <a16:creationId xmlns="" xmlns:a16="http://schemas.microsoft.com/office/drawing/2014/main" id="{0F59A70E-8B41-4FC5-B4DD-21721EBDBBEA}"/>
+                <a16:creationId xmlns:a16="http://schemas.microsoft.com/office/drawing/2014/main" xmlns="" id="{0F59A70E-8B41-4FC5-B4DD-21721EBDBBEA}"/>
               </a:ext>
             </a:extLst>
           </p:cNvPr>
@@ -674,7 +674,7 @@
           <p:cNvPr id="5" name="바닥글 개체 틀 4">
             <a:extLst>
               <a:ext uri="{FF2B5EF4-FFF2-40B4-BE49-F238E27FC236}">
-                <a16:creationId xmlns="" xmlns:a16="http://schemas.microsoft.com/office/drawing/2014/main" id="{BE86492D-0D72-4321-ADB8-99757C8215DE}"/>
+                <a16:creationId xmlns:a16="http://schemas.microsoft.com/office/drawing/2014/main" xmlns="" id="{BE86492D-0D72-4321-ADB8-99757C8215DE}"/>
               </a:ext>
             </a:extLst>
           </p:cNvPr>
@@ -699,7 +699,7 @@
           <p:cNvPr id="6" name="슬라이드 번호 개체 틀 5">
             <a:extLst>
               <a:ext uri="{FF2B5EF4-FFF2-40B4-BE49-F238E27FC236}">
-                <a16:creationId xmlns="" xmlns:a16="http://schemas.microsoft.com/office/drawing/2014/main" id="{08A7E668-1D41-4D52-90C1-F282B303D1D9}"/>
+                <a16:creationId xmlns:a16="http://schemas.microsoft.com/office/drawing/2014/main" xmlns="" id="{08A7E668-1D41-4D52-90C1-F282B303D1D9}"/>
               </a:ext>
             </a:extLst>
           </p:cNvPr>
@@ -758,7 +758,7 @@
           <p:cNvPr id="2" name="제목 1">
             <a:extLst>
               <a:ext uri="{FF2B5EF4-FFF2-40B4-BE49-F238E27FC236}">
-                <a16:creationId xmlns="" xmlns:a16="http://schemas.microsoft.com/office/drawing/2014/main" id="{4F0A27D4-11AB-46BC-B2EF-44567B210B8F}"/>
+                <a16:creationId xmlns:a16="http://schemas.microsoft.com/office/drawing/2014/main" xmlns="" id="{4F0A27D4-11AB-46BC-B2EF-44567B210B8F}"/>
               </a:ext>
             </a:extLst>
           </p:cNvPr>
@@ -786,7 +786,7 @@
           <p:cNvPr id="3" name="내용 개체 틀 2">
             <a:extLst>
               <a:ext uri="{FF2B5EF4-FFF2-40B4-BE49-F238E27FC236}">
-                <a16:creationId xmlns="" xmlns:a16="http://schemas.microsoft.com/office/drawing/2014/main" id="{8B0BA6A1-471A-45E1-A84B-F0ECC93367C5}"/>
+                <a16:creationId xmlns:a16="http://schemas.microsoft.com/office/drawing/2014/main" xmlns="" id="{8B0BA6A1-471A-45E1-A84B-F0ECC93367C5}"/>
               </a:ext>
             </a:extLst>
           </p:cNvPr>
@@ -843,7 +843,7 @@
           <p:cNvPr id="4" name="날짜 개체 틀 3">
             <a:extLst>
               <a:ext uri="{FF2B5EF4-FFF2-40B4-BE49-F238E27FC236}">
-                <a16:creationId xmlns="" xmlns:a16="http://schemas.microsoft.com/office/drawing/2014/main" id="{FA944296-DCE3-4648-BB1F-6D3B160CFABB}"/>
+                <a16:creationId xmlns:a16="http://schemas.microsoft.com/office/drawing/2014/main" xmlns="" id="{FA944296-DCE3-4648-BB1F-6D3B160CFABB}"/>
               </a:ext>
             </a:extLst>
           </p:cNvPr>
@@ -872,7 +872,7 @@
           <p:cNvPr id="5" name="바닥글 개체 틀 4">
             <a:extLst>
               <a:ext uri="{FF2B5EF4-FFF2-40B4-BE49-F238E27FC236}">
-                <a16:creationId xmlns="" xmlns:a16="http://schemas.microsoft.com/office/drawing/2014/main" id="{7A7D5120-D2A5-4974-907E-37A99F666EFC}"/>
+                <a16:creationId xmlns:a16="http://schemas.microsoft.com/office/drawing/2014/main" xmlns="" id="{7A7D5120-D2A5-4974-907E-37A99F666EFC}"/>
               </a:ext>
             </a:extLst>
           </p:cNvPr>
@@ -897,7 +897,7 @@
           <p:cNvPr id="6" name="슬라이드 번호 개체 틀 5">
             <a:extLst>
               <a:ext uri="{FF2B5EF4-FFF2-40B4-BE49-F238E27FC236}">
-                <a16:creationId xmlns="" xmlns:a16="http://schemas.microsoft.com/office/drawing/2014/main" id="{90FD676E-B45E-4A35-B38B-8C68F0ABF746}"/>
+                <a16:creationId xmlns:a16="http://schemas.microsoft.com/office/drawing/2014/main" xmlns="" id="{90FD676E-B45E-4A35-B38B-8C68F0ABF746}"/>
               </a:ext>
             </a:extLst>
           </p:cNvPr>
@@ -956,7 +956,7 @@
           <p:cNvPr id="2" name="제목 1">
             <a:extLst>
               <a:ext uri="{FF2B5EF4-FFF2-40B4-BE49-F238E27FC236}">
-                <a16:creationId xmlns="" xmlns:a16="http://schemas.microsoft.com/office/drawing/2014/main" id="{6EE0B1A4-83A9-4A75-854C-E474E47A3F87}"/>
+                <a16:creationId xmlns:a16="http://schemas.microsoft.com/office/drawing/2014/main" xmlns="" id="{6EE0B1A4-83A9-4A75-854C-E474E47A3F87}"/>
               </a:ext>
             </a:extLst>
           </p:cNvPr>
@@ -993,7 +993,7 @@
           <p:cNvPr id="3" name="텍스트 개체 틀 2">
             <a:extLst>
               <a:ext uri="{FF2B5EF4-FFF2-40B4-BE49-F238E27FC236}">
-                <a16:creationId xmlns="" xmlns:a16="http://schemas.microsoft.com/office/drawing/2014/main" id="{E4B2BF8F-0843-4ED4-9385-40CBCFB8F92F}"/>
+                <a16:creationId xmlns:a16="http://schemas.microsoft.com/office/drawing/2014/main" xmlns="" id="{E4B2BF8F-0843-4ED4-9385-40CBCFB8F92F}"/>
               </a:ext>
             </a:extLst>
           </p:cNvPr>
@@ -1118,7 +1118,7 @@
           <p:cNvPr id="4" name="날짜 개체 틀 3">
             <a:extLst>
               <a:ext uri="{FF2B5EF4-FFF2-40B4-BE49-F238E27FC236}">
-                <a16:creationId xmlns="" xmlns:a16="http://schemas.microsoft.com/office/drawing/2014/main" id="{63C71766-C0ED-47ED-8E7D-9D99F4BBFB79}"/>
+                <a16:creationId xmlns:a16="http://schemas.microsoft.com/office/drawing/2014/main" xmlns="" id="{63C71766-C0ED-47ED-8E7D-9D99F4BBFB79}"/>
               </a:ext>
             </a:extLst>
           </p:cNvPr>
@@ -1147,7 +1147,7 @@
           <p:cNvPr id="5" name="바닥글 개체 틀 4">
             <a:extLst>
               <a:ext uri="{FF2B5EF4-FFF2-40B4-BE49-F238E27FC236}">
-                <a16:creationId xmlns="" xmlns:a16="http://schemas.microsoft.com/office/drawing/2014/main" id="{4EDBC20D-B5B9-45A4-BAD8-B167FF41D5B4}"/>
+                <a16:creationId xmlns:a16="http://schemas.microsoft.com/office/drawing/2014/main" xmlns="" id="{4EDBC20D-B5B9-45A4-BAD8-B167FF41D5B4}"/>
               </a:ext>
             </a:extLst>
           </p:cNvPr>
@@ -1172,7 +1172,7 @@
           <p:cNvPr id="6" name="슬라이드 번호 개체 틀 5">
             <a:extLst>
               <a:ext uri="{FF2B5EF4-FFF2-40B4-BE49-F238E27FC236}">
-                <a16:creationId xmlns="" xmlns:a16="http://schemas.microsoft.com/office/drawing/2014/main" id="{EBC1BB95-D6A5-4AFB-9E27-A4A34B583F40}"/>
+                <a16:creationId xmlns:a16="http://schemas.microsoft.com/office/drawing/2014/main" xmlns="" id="{EBC1BB95-D6A5-4AFB-9E27-A4A34B583F40}"/>
               </a:ext>
             </a:extLst>
           </p:cNvPr>
@@ -1231,7 +1231,7 @@
           <p:cNvPr id="2" name="제목 1">
             <a:extLst>
               <a:ext uri="{FF2B5EF4-FFF2-40B4-BE49-F238E27FC236}">
-                <a16:creationId xmlns="" xmlns:a16="http://schemas.microsoft.com/office/drawing/2014/main" id="{12E70989-324B-449B-818E-6782FF27A196}"/>
+                <a16:creationId xmlns:a16="http://schemas.microsoft.com/office/drawing/2014/main" xmlns="" id="{12E70989-324B-449B-818E-6782FF27A196}"/>
               </a:ext>
             </a:extLst>
           </p:cNvPr>
@@ -1259,7 +1259,7 @@
           <p:cNvPr id="3" name="내용 개체 틀 2">
             <a:extLst>
               <a:ext uri="{FF2B5EF4-FFF2-40B4-BE49-F238E27FC236}">
-                <a16:creationId xmlns="" xmlns:a16="http://schemas.microsoft.com/office/drawing/2014/main" id="{63D7851E-2DF7-4D0B-B2D2-912548DEA209}"/>
+                <a16:creationId xmlns:a16="http://schemas.microsoft.com/office/drawing/2014/main" xmlns="" id="{63D7851E-2DF7-4D0B-B2D2-912548DEA209}"/>
               </a:ext>
             </a:extLst>
           </p:cNvPr>
@@ -1321,7 +1321,7 @@
           <p:cNvPr id="4" name="내용 개체 틀 3">
             <a:extLst>
               <a:ext uri="{FF2B5EF4-FFF2-40B4-BE49-F238E27FC236}">
-                <a16:creationId xmlns="" xmlns:a16="http://schemas.microsoft.com/office/drawing/2014/main" id="{31E096AD-A061-4403-A00F-0D6986E4C01C}"/>
+                <a16:creationId xmlns:a16="http://schemas.microsoft.com/office/drawing/2014/main" xmlns="" id="{31E096AD-A061-4403-A00F-0D6986E4C01C}"/>
               </a:ext>
             </a:extLst>
           </p:cNvPr>
@@ -1383,7 +1383,7 @@
           <p:cNvPr id="5" name="날짜 개체 틀 4">
             <a:extLst>
               <a:ext uri="{FF2B5EF4-FFF2-40B4-BE49-F238E27FC236}">
-                <a16:creationId xmlns="" xmlns:a16="http://schemas.microsoft.com/office/drawing/2014/main" id="{046AD77A-3D8B-4D26-841A-67409EBC03E8}"/>
+                <a16:creationId xmlns:a16="http://schemas.microsoft.com/office/drawing/2014/main" xmlns="" id="{046AD77A-3D8B-4D26-841A-67409EBC03E8}"/>
               </a:ext>
             </a:extLst>
           </p:cNvPr>
@@ -1412,7 +1412,7 @@
           <p:cNvPr id="6" name="바닥글 개체 틀 5">
             <a:extLst>
               <a:ext uri="{FF2B5EF4-FFF2-40B4-BE49-F238E27FC236}">
-                <a16:creationId xmlns="" xmlns:a16="http://schemas.microsoft.com/office/drawing/2014/main" id="{EC4E603C-5508-48C2-869B-F51C0C3AF7C5}"/>
+                <a16:creationId xmlns:a16="http://schemas.microsoft.com/office/drawing/2014/main" xmlns="" id="{EC4E603C-5508-48C2-869B-F51C0C3AF7C5}"/>
               </a:ext>
             </a:extLst>
           </p:cNvPr>
@@ -1437,7 +1437,7 @@
           <p:cNvPr id="7" name="슬라이드 번호 개체 틀 6">
             <a:extLst>
               <a:ext uri="{FF2B5EF4-FFF2-40B4-BE49-F238E27FC236}">
-                <a16:creationId xmlns="" xmlns:a16="http://schemas.microsoft.com/office/drawing/2014/main" id="{CA03E8B1-A03A-41AE-87A9-931CCC078F22}"/>
+                <a16:creationId xmlns:a16="http://schemas.microsoft.com/office/drawing/2014/main" xmlns="" id="{CA03E8B1-A03A-41AE-87A9-931CCC078F22}"/>
               </a:ext>
             </a:extLst>
           </p:cNvPr>
@@ -1496,7 +1496,7 @@
           <p:cNvPr id="2" name="제목 1">
             <a:extLst>
               <a:ext uri="{FF2B5EF4-FFF2-40B4-BE49-F238E27FC236}">
-                <a16:creationId xmlns="" xmlns:a16="http://schemas.microsoft.com/office/drawing/2014/main" id="{705EF5CB-9056-46A8-98F8-3466D31CAC04}"/>
+                <a16:creationId xmlns:a16="http://schemas.microsoft.com/office/drawing/2014/main" xmlns="" id="{705EF5CB-9056-46A8-98F8-3466D31CAC04}"/>
               </a:ext>
             </a:extLst>
           </p:cNvPr>
@@ -1529,7 +1529,7 @@
           <p:cNvPr id="3" name="텍스트 개체 틀 2">
             <a:extLst>
               <a:ext uri="{FF2B5EF4-FFF2-40B4-BE49-F238E27FC236}">
-                <a16:creationId xmlns="" xmlns:a16="http://schemas.microsoft.com/office/drawing/2014/main" id="{01DF52C1-08B3-4460-95C3-0DDB9D9C5C75}"/>
+                <a16:creationId xmlns:a16="http://schemas.microsoft.com/office/drawing/2014/main" xmlns="" id="{01DF52C1-08B3-4460-95C3-0DDB9D9C5C75}"/>
               </a:ext>
             </a:extLst>
           </p:cNvPr>
@@ -1600,7 +1600,7 @@
           <p:cNvPr id="4" name="내용 개체 틀 3">
             <a:extLst>
               <a:ext uri="{FF2B5EF4-FFF2-40B4-BE49-F238E27FC236}">
-                <a16:creationId xmlns="" xmlns:a16="http://schemas.microsoft.com/office/drawing/2014/main" id="{6F9A0775-A9A3-4773-BA57-692267F7A447}"/>
+                <a16:creationId xmlns:a16="http://schemas.microsoft.com/office/drawing/2014/main" xmlns="" id="{6F9A0775-A9A3-4773-BA57-692267F7A447}"/>
               </a:ext>
             </a:extLst>
           </p:cNvPr>
@@ -1662,7 +1662,7 @@
           <p:cNvPr id="5" name="텍스트 개체 틀 4">
             <a:extLst>
               <a:ext uri="{FF2B5EF4-FFF2-40B4-BE49-F238E27FC236}">
-                <a16:creationId xmlns="" xmlns:a16="http://schemas.microsoft.com/office/drawing/2014/main" id="{5BFAF636-6BEE-41A9-A4A0-147B13316A93}"/>
+                <a16:creationId xmlns:a16="http://schemas.microsoft.com/office/drawing/2014/main" xmlns="" id="{5BFAF636-6BEE-41A9-A4A0-147B13316A93}"/>
               </a:ext>
             </a:extLst>
           </p:cNvPr>
@@ -1733,7 +1733,7 @@
           <p:cNvPr id="6" name="내용 개체 틀 5">
             <a:extLst>
               <a:ext uri="{FF2B5EF4-FFF2-40B4-BE49-F238E27FC236}">
-                <a16:creationId xmlns="" xmlns:a16="http://schemas.microsoft.com/office/drawing/2014/main" id="{E78B8F90-1EAE-4CFB-AA61-EB6A6D290ACA}"/>
+                <a16:creationId xmlns:a16="http://schemas.microsoft.com/office/drawing/2014/main" xmlns="" id="{E78B8F90-1EAE-4CFB-AA61-EB6A6D290ACA}"/>
               </a:ext>
             </a:extLst>
           </p:cNvPr>
@@ -1795,7 +1795,7 @@
           <p:cNvPr id="7" name="날짜 개체 틀 6">
             <a:extLst>
               <a:ext uri="{FF2B5EF4-FFF2-40B4-BE49-F238E27FC236}">
-                <a16:creationId xmlns="" xmlns:a16="http://schemas.microsoft.com/office/drawing/2014/main" id="{EF1844A7-470D-4816-A74F-6304E606674D}"/>
+                <a16:creationId xmlns:a16="http://schemas.microsoft.com/office/drawing/2014/main" xmlns="" id="{EF1844A7-470D-4816-A74F-6304E606674D}"/>
               </a:ext>
             </a:extLst>
           </p:cNvPr>
@@ -1824,7 +1824,7 @@
           <p:cNvPr id="8" name="바닥글 개체 틀 7">
             <a:extLst>
               <a:ext uri="{FF2B5EF4-FFF2-40B4-BE49-F238E27FC236}">
-                <a16:creationId xmlns="" xmlns:a16="http://schemas.microsoft.com/office/drawing/2014/main" id="{E8974CDF-80A3-442C-A735-FDE2DB8E82A8}"/>
+                <a16:creationId xmlns:a16="http://schemas.microsoft.com/office/drawing/2014/main" xmlns="" id="{E8974CDF-80A3-442C-A735-FDE2DB8E82A8}"/>
               </a:ext>
             </a:extLst>
           </p:cNvPr>
@@ -1849,7 +1849,7 @@
           <p:cNvPr id="9" name="슬라이드 번호 개체 틀 8">
             <a:extLst>
               <a:ext uri="{FF2B5EF4-FFF2-40B4-BE49-F238E27FC236}">
-                <a16:creationId xmlns="" xmlns:a16="http://schemas.microsoft.com/office/drawing/2014/main" id="{4C5F6128-C00D-4D8E-B2EE-3586B003F34E}"/>
+                <a16:creationId xmlns:a16="http://schemas.microsoft.com/office/drawing/2014/main" xmlns="" id="{4C5F6128-C00D-4D8E-B2EE-3586B003F34E}"/>
               </a:ext>
             </a:extLst>
           </p:cNvPr>
@@ -1908,7 +1908,7 @@
           <p:cNvPr id="2" name="제목 1">
             <a:extLst>
               <a:ext uri="{FF2B5EF4-FFF2-40B4-BE49-F238E27FC236}">
-                <a16:creationId xmlns="" xmlns:a16="http://schemas.microsoft.com/office/drawing/2014/main" id="{B714FE49-0949-4109-B1D2-C4A137AB2832}"/>
+                <a16:creationId xmlns:a16="http://schemas.microsoft.com/office/drawing/2014/main" xmlns="" id="{B714FE49-0949-4109-B1D2-C4A137AB2832}"/>
               </a:ext>
             </a:extLst>
           </p:cNvPr>
@@ -1936,7 +1936,7 @@
           <p:cNvPr id="3" name="날짜 개체 틀 2">
             <a:extLst>
               <a:ext uri="{FF2B5EF4-FFF2-40B4-BE49-F238E27FC236}">
-                <a16:creationId xmlns="" xmlns:a16="http://schemas.microsoft.com/office/drawing/2014/main" id="{588ACF2B-DD6F-483E-8722-FF008C3A2F47}"/>
+                <a16:creationId xmlns:a16="http://schemas.microsoft.com/office/drawing/2014/main" xmlns="" id="{588ACF2B-DD6F-483E-8722-FF008C3A2F47}"/>
               </a:ext>
             </a:extLst>
           </p:cNvPr>
@@ -1965,7 +1965,7 @@
           <p:cNvPr id="4" name="바닥글 개체 틀 3">
             <a:extLst>
               <a:ext uri="{FF2B5EF4-FFF2-40B4-BE49-F238E27FC236}">
-                <a16:creationId xmlns="" xmlns:a16="http://schemas.microsoft.com/office/drawing/2014/main" id="{A5B1003F-7C1F-4148-9F44-AB4B2C059DC5}"/>
+                <a16:creationId xmlns:a16="http://schemas.microsoft.com/office/drawing/2014/main" xmlns="" id="{A5B1003F-7C1F-4148-9F44-AB4B2C059DC5}"/>
               </a:ext>
             </a:extLst>
           </p:cNvPr>
@@ -1990,7 +1990,7 @@
           <p:cNvPr id="5" name="슬라이드 번호 개체 틀 4">
             <a:extLst>
               <a:ext uri="{FF2B5EF4-FFF2-40B4-BE49-F238E27FC236}">
-                <a16:creationId xmlns="" xmlns:a16="http://schemas.microsoft.com/office/drawing/2014/main" id="{25F1E67E-E1AA-444B-93B1-4EB66CDC5CE5}"/>
+                <a16:creationId xmlns:a16="http://schemas.microsoft.com/office/drawing/2014/main" xmlns="" id="{25F1E67E-E1AA-444B-93B1-4EB66CDC5CE5}"/>
               </a:ext>
             </a:extLst>
           </p:cNvPr>
@@ -2049,7 +2049,7 @@
           <p:cNvPr id="2" name="날짜 개체 틀 1">
             <a:extLst>
               <a:ext uri="{FF2B5EF4-FFF2-40B4-BE49-F238E27FC236}">
-                <a16:creationId xmlns="" xmlns:a16="http://schemas.microsoft.com/office/drawing/2014/main" id="{FE6D18EC-F8CA-4D9E-916E-85D5315B768B}"/>
+                <a16:creationId xmlns:a16="http://schemas.microsoft.com/office/drawing/2014/main" xmlns="" id="{FE6D18EC-F8CA-4D9E-916E-85D5315B768B}"/>
               </a:ext>
             </a:extLst>
           </p:cNvPr>
@@ -2078,7 +2078,7 @@
           <p:cNvPr id="3" name="바닥글 개체 틀 2">
             <a:extLst>
               <a:ext uri="{FF2B5EF4-FFF2-40B4-BE49-F238E27FC236}">
-                <a16:creationId xmlns="" xmlns:a16="http://schemas.microsoft.com/office/drawing/2014/main" id="{3BCD3AFD-0918-4F6F-A64B-5BAFF7B31BD3}"/>
+                <a16:creationId xmlns:a16="http://schemas.microsoft.com/office/drawing/2014/main" xmlns="" id="{3BCD3AFD-0918-4F6F-A64B-5BAFF7B31BD3}"/>
               </a:ext>
             </a:extLst>
           </p:cNvPr>
@@ -2103,7 +2103,7 @@
           <p:cNvPr id="4" name="슬라이드 번호 개체 틀 3">
             <a:extLst>
               <a:ext uri="{FF2B5EF4-FFF2-40B4-BE49-F238E27FC236}">
-                <a16:creationId xmlns="" xmlns:a16="http://schemas.microsoft.com/office/drawing/2014/main" id="{0AAEC9C9-4576-40AE-8C84-6DD8BEAD2451}"/>
+                <a16:creationId xmlns:a16="http://schemas.microsoft.com/office/drawing/2014/main" xmlns="" id="{0AAEC9C9-4576-40AE-8C84-6DD8BEAD2451}"/>
               </a:ext>
             </a:extLst>
           </p:cNvPr>
@@ -2162,7 +2162,7 @@
           <p:cNvPr id="2" name="제목 1">
             <a:extLst>
               <a:ext uri="{FF2B5EF4-FFF2-40B4-BE49-F238E27FC236}">
-                <a16:creationId xmlns="" xmlns:a16="http://schemas.microsoft.com/office/drawing/2014/main" id="{F483CEC5-C649-49D0-9F2A-BDB925D36975}"/>
+                <a16:creationId xmlns:a16="http://schemas.microsoft.com/office/drawing/2014/main" xmlns="" id="{F483CEC5-C649-49D0-9F2A-BDB925D36975}"/>
               </a:ext>
             </a:extLst>
           </p:cNvPr>
@@ -2199,7 +2199,7 @@
           <p:cNvPr id="3" name="내용 개체 틀 2">
             <a:extLst>
               <a:ext uri="{FF2B5EF4-FFF2-40B4-BE49-F238E27FC236}">
-                <a16:creationId xmlns="" xmlns:a16="http://schemas.microsoft.com/office/drawing/2014/main" id="{84BC201C-8050-4EFA-9D80-895775D9DF35}"/>
+                <a16:creationId xmlns:a16="http://schemas.microsoft.com/office/drawing/2014/main" xmlns="" id="{84BC201C-8050-4EFA-9D80-895775D9DF35}"/>
               </a:ext>
             </a:extLst>
           </p:cNvPr>
@@ -2289,7 +2289,7 @@
           <p:cNvPr id="4" name="텍스트 개체 틀 3">
             <a:extLst>
               <a:ext uri="{FF2B5EF4-FFF2-40B4-BE49-F238E27FC236}">
-                <a16:creationId xmlns="" xmlns:a16="http://schemas.microsoft.com/office/drawing/2014/main" id="{572E4322-3A31-465D-B873-B57846BED1F5}"/>
+                <a16:creationId xmlns:a16="http://schemas.microsoft.com/office/drawing/2014/main" xmlns="" id="{572E4322-3A31-465D-B873-B57846BED1F5}"/>
               </a:ext>
             </a:extLst>
           </p:cNvPr>
@@ -2360,7 +2360,7 @@
           <p:cNvPr id="5" name="날짜 개체 틀 4">
             <a:extLst>
               <a:ext uri="{FF2B5EF4-FFF2-40B4-BE49-F238E27FC236}">
-                <a16:creationId xmlns="" xmlns:a16="http://schemas.microsoft.com/office/drawing/2014/main" id="{D7931F98-4304-48D8-89B1-44CA6243768B}"/>
+                <a16:creationId xmlns:a16="http://schemas.microsoft.com/office/drawing/2014/main" xmlns="" id="{D7931F98-4304-48D8-89B1-44CA6243768B}"/>
               </a:ext>
             </a:extLst>
           </p:cNvPr>
@@ -2389,7 +2389,7 @@
           <p:cNvPr id="6" name="바닥글 개체 틀 5">
             <a:extLst>
               <a:ext uri="{FF2B5EF4-FFF2-40B4-BE49-F238E27FC236}">
-                <a16:creationId xmlns="" xmlns:a16="http://schemas.microsoft.com/office/drawing/2014/main" id="{BA9D5E65-9D2A-4E00-ABE7-F8AB6460BB2E}"/>
+                <a16:creationId xmlns:a16="http://schemas.microsoft.com/office/drawing/2014/main" xmlns="" id="{BA9D5E65-9D2A-4E00-ABE7-F8AB6460BB2E}"/>
               </a:ext>
             </a:extLst>
           </p:cNvPr>
@@ -2414,7 +2414,7 @@
           <p:cNvPr id="7" name="슬라이드 번호 개체 틀 6">
             <a:extLst>
               <a:ext uri="{FF2B5EF4-FFF2-40B4-BE49-F238E27FC236}">
-                <a16:creationId xmlns="" xmlns:a16="http://schemas.microsoft.com/office/drawing/2014/main" id="{655235C7-6DAA-4800-A978-B0DD0A21FB3C}"/>
+                <a16:creationId xmlns:a16="http://schemas.microsoft.com/office/drawing/2014/main" xmlns="" id="{655235C7-6DAA-4800-A978-B0DD0A21FB3C}"/>
               </a:ext>
             </a:extLst>
           </p:cNvPr>
@@ -2473,7 +2473,7 @@
           <p:cNvPr id="2" name="제목 1">
             <a:extLst>
               <a:ext uri="{FF2B5EF4-FFF2-40B4-BE49-F238E27FC236}">
-                <a16:creationId xmlns="" xmlns:a16="http://schemas.microsoft.com/office/drawing/2014/main" id="{901158BC-1FDD-486F-9B49-1B806A2D5F27}"/>
+                <a16:creationId xmlns:a16="http://schemas.microsoft.com/office/drawing/2014/main" xmlns="" id="{901158BC-1FDD-486F-9B49-1B806A2D5F27}"/>
               </a:ext>
             </a:extLst>
           </p:cNvPr>
@@ -2510,7 +2510,7 @@
           <p:cNvPr id="3" name="그림 개체 틀 2">
             <a:extLst>
               <a:ext uri="{FF2B5EF4-FFF2-40B4-BE49-F238E27FC236}">
-                <a16:creationId xmlns="" xmlns:a16="http://schemas.microsoft.com/office/drawing/2014/main" id="{71236058-003E-4AE5-8993-72D9E56B8E34}"/>
+                <a16:creationId xmlns:a16="http://schemas.microsoft.com/office/drawing/2014/main" xmlns="" id="{71236058-003E-4AE5-8993-72D9E56B8E34}"/>
               </a:ext>
             </a:extLst>
           </p:cNvPr>
@@ -2577,7 +2577,7 @@
           <p:cNvPr id="4" name="텍스트 개체 틀 3">
             <a:extLst>
               <a:ext uri="{FF2B5EF4-FFF2-40B4-BE49-F238E27FC236}">
-                <a16:creationId xmlns="" xmlns:a16="http://schemas.microsoft.com/office/drawing/2014/main" id="{3A4B9A4D-3215-4316-956F-849B9EB6A080}"/>
+                <a16:creationId xmlns:a16="http://schemas.microsoft.com/office/drawing/2014/main" xmlns="" id="{3A4B9A4D-3215-4316-956F-849B9EB6A080}"/>
               </a:ext>
             </a:extLst>
           </p:cNvPr>
@@ -2648,7 +2648,7 @@
           <p:cNvPr id="5" name="날짜 개체 틀 4">
             <a:extLst>
               <a:ext uri="{FF2B5EF4-FFF2-40B4-BE49-F238E27FC236}">
-                <a16:creationId xmlns="" xmlns:a16="http://schemas.microsoft.com/office/drawing/2014/main" id="{8CFD0019-555B-4A6F-A871-E31F958AD043}"/>
+                <a16:creationId xmlns:a16="http://schemas.microsoft.com/office/drawing/2014/main" xmlns="" id="{8CFD0019-555B-4A6F-A871-E31F958AD043}"/>
               </a:ext>
             </a:extLst>
           </p:cNvPr>
@@ -2677,7 +2677,7 @@
           <p:cNvPr id="6" name="바닥글 개체 틀 5">
             <a:extLst>
               <a:ext uri="{FF2B5EF4-FFF2-40B4-BE49-F238E27FC236}">
-                <a16:creationId xmlns="" xmlns:a16="http://schemas.microsoft.com/office/drawing/2014/main" id="{5B94D322-CFC4-4BF0-BB87-9216E751C77D}"/>
+                <a16:creationId xmlns:a16="http://schemas.microsoft.com/office/drawing/2014/main" xmlns="" id="{5B94D322-CFC4-4BF0-BB87-9216E751C77D}"/>
               </a:ext>
             </a:extLst>
           </p:cNvPr>
@@ -2702,7 +2702,7 @@
           <p:cNvPr id="7" name="슬라이드 번호 개체 틀 6">
             <a:extLst>
               <a:ext uri="{FF2B5EF4-FFF2-40B4-BE49-F238E27FC236}">
-                <a16:creationId xmlns="" xmlns:a16="http://schemas.microsoft.com/office/drawing/2014/main" id="{AA6F59BA-42D6-4436-B260-F21B24FDAE9A}"/>
+                <a16:creationId xmlns:a16="http://schemas.microsoft.com/office/drawing/2014/main" xmlns="" id="{AA6F59BA-42D6-4436-B260-F21B24FDAE9A}"/>
               </a:ext>
             </a:extLst>
           </p:cNvPr>
@@ -2766,7 +2766,7 @@
           <p:cNvPr id="2" name="제목 개체 틀 1">
             <a:extLst>
               <a:ext uri="{FF2B5EF4-FFF2-40B4-BE49-F238E27FC236}">
-                <a16:creationId xmlns="" xmlns:a16="http://schemas.microsoft.com/office/drawing/2014/main" id="{C3B034D2-2CB5-42C6-B3AA-D2D9C01095F2}"/>
+                <a16:creationId xmlns:a16="http://schemas.microsoft.com/office/drawing/2014/main" xmlns="" id="{C3B034D2-2CB5-42C6-B3AA-D2D9C01095F2}"/>
               </a:ext>
             </a:extLst>
           </p:cNvPr>
@@ -2804,7 +2804,7 @@
           <p:cNvPr id="3" name="텍스트 개체 틀 2">
             <a:extLst>
               <a:ext uri="{FF2B5EF4-FFF2-40B4-BE49-F238E27FC236}">
-                <a16:creationId xmlns="" xmlns:a16="http://schemas.microsoft.com/office/drawing/2014/main" id="{A3FADB4A-E876-4F12-BEDB-1DAD25B9EF98}"/>
+                <a16:creationId xmlns:a16="http://schemas.microsoft.com/office/drawing/2014/main" xmlns="" id="{A3FADB4A-E876-4F12-BEDB-1DAD25B9EF98}"/>
               </a:ext>
             </a:extLst>
           </p:cNvPr>
@@ -2871,7 +2871,7 @@
           <p:cNvPr id="4" name="날짜 개체 틀 3">
             <a:extLst>
               <a:ext uri="{FF2B5EF4-FFF2-40B4-BE49-F238E27FC236}">
-                <a16:creationId xmlns="" xmlns:a16="http://schemas.microsoft.com/office/drawing/2014/main" id="{FD0AD3F6-8F8D-4509-928B-7BF0231B8EC3}"/>
+                <a16:creationId xmlns:a16="http://schemas.microsoft.com/office/drawing/2014/main" xmlns="" id="{FD0AD3F6-8F8D-4509-928B-7BF0231B8EC3}"/>
               </a:ext>
             </a:extLst>
           </p:cNvPr>
@@ -2918,7 +2918,7 @@
           <p:cNvPr id="5" name="바닥글 개체 틀 4">
             <a:extLst>
               <a:ext uri="{FF2B5EF4-FFF2-40B4-BE49-F238E27FC236}">
-                <a16:creationId xmlns="" xmlns:a16="http://schemas.microsoft.com/office/drawing/2014/main" id="{37948F0C-0F03-4E6A-A877-591F4C614CF2}"/>
+                <a16:creationId xmlns:a16="http://schemas.microsoft.com/office/drawing/2014/main" xmlns="" id="{37948F0C-0F03-4E6A-A877-591F4C614CF2}"/>
               </a:ext>
             </a:extLst>
           </p:cNvPr>
@@ -2961,7 +2961,7 @@
           <p:cNvPr id="6" name="슬라이드 번호 개체 틀 5">
             <a:extLst>
               <a:ext uri="{FF2B5EF4-FFF2-40B4-BE49-F238E27FC236}">
-                <a16:creationId xmlns="" xmlns:a16="http://schemas.microsoft.com/office/drawing/2014/main" id="{B78A75A1-3290-4CD0-969A-D41DF8B05A37}"/>
+                <a16:creationId xmlns:a16="http://schemas.microsoft.com/office/drawing/2014/main" xmlns="" id="{B78A75A1-3290-4CD0-969A-D41DF8B05A37}"/>
               </a:ext>
             </a:extLst>
           </p:cNvPr>
@@ -3452,14 +3452,14 @@
                 <a:gridCol w="2048256">
                   <a:extLst>
                     <a:ext uri="{9D8B030D-6E8A-4147-A177-3AD203B41FA5}">
-                      <a16:colId xmlns="" xmlns:a16="http://schemas.microsoft.com/office/drawing/2014/main" val="20000"/>
+                      <a16:colId xmlns:a16="http://schemas.microsoft.com/office/drawing/2014/main" xmlns="" val="20000"/>
                     </a:ext>
                   </a:extLst>
                 </a:gridCol>
                 <a:gridCol w="2048256">
                   <a:extLst>
                     <a:ext uri="{9D8B030D-6E8A-4147-A177-3AD203B41FA5}">
-                      <a16:colId xmlns="" xmlns:a16="http://schemas.microsoft.com/office/drawing/2014/main" val="20001"/>
+                      <a16:colId xmlns:a16="http://schemas.microsoft.com/office/drawing/2014/main" xmlns="" val="20001"/>
                     </a:ext>
                   </a:extLst>
                 </a:gridCol>
@@ -3584,7 +3584,7 @@
                 </a:tc>
                 <a:extLst>
                   <a:ext uri="{0D108BD9-81ED-4DB2-BD59-A6C34878D82A}">
-                    <a16:rowId xmlns="" xmlns:a16="http://schemas.microsoft.com/office/drawing/2014/main" val="10000"/>
+                    <a16:rowId xmlns:a16="http://schemas.microsoft.com/office/drawing/2014/main" xmlns="" val="10000"/>
                   </a:ext>
                 </a:extLst>
               </a:tr>
@@ -3704,7 +3704,7 @@
                 </a:tc>
                 <a:extLst>
                   <a:ext uri="{0D108BD9-81ED-4DB2-BD59-A6C34878D82A}">
-                    <a16:rowId xmlns="" xmlns:a16="http://schemas.microsoft.com/office/drawing/2014/main" val="10001"/>
+                    <a16:rowId xmlns:a16="http://schemas.microsoft.com/office/drawing/2014/main" xmlns="" val="10001"/>
                   </a:ext>
                 </a:extLst>
               </a:tr>
@@ -3936,35 +3936,35 @@
                 <a:gridCol w="1137919">
                   <a:extLst>
                     <a:ext uri="{9D8B030D-6E8A-4147-A177-3AD203B41FA5}">
-                      <a16:colId xmlns="" xmlns:a16="http://schemas.microsoft.com/office/drawing/2014/main" val="20000"/>
+                      <a16:colId xmlns:a16="http://schemas.microsoft.com/office/drawing/2014/main" xmlns="" val="20000"/>
                     </a:ext>
                   </a:extLst>
                 </a:gridCol>
                 <a:gridCol w="1719072">
                   <a:extLst>
                     <a:ext uri="{9D8B030D-6E8A-4147-A177-3AD203B41FA5}">
-                      <a16:colId xmlns="" xmlns:a16="http://schemas.microsoft.com/office/drawing/2014/main" val="20001"/>
+                      <a16:colId xmlns:a16="http://schemas.microsoft.com/office/drawing/2014/main" xmlns="" val="20001"/>
                     </a:ext>
                   </a:extLst>
                 </a:gridCol>
                 <a:gridCol w="5315712">
                   <a:extLst>
                     <a:ext uri="{9D8B030D-6E8A-4147-A177-3AD203B41FA5}">
-                      <a16:colId xmlns="" xmlns:a16="http://schemas.microsoft.com/office/drawing/2014/main" val="20002"/>
+                      <a16:colId xmlns:a16="http://schemas.microsoft.com/office/drawing/2014/main" xmlns="" val="20002"/>
                     </a:ext>
                   </a:extLst>
                 </a:gridCol>
                 <a:gridCol w="1828800">
                   <a:extLst>
                     <a:ext uri="{9D8B030D-6E8A-4147-A177-3AD203B41FA5}">
-                      <a16:colId xmlns="" xmlns:a16="http://schemas.microsoft.com/office/drawing/2014/main" val="20003"/>
+                      <a16:colId xmlns:a16="http://schemas.microsoft.com/office/drawing/2014/main" xmlns="" val="20003"/>
                     </a:ext>
                   </a:extLst>
                 </a:gridCol>
                 <a:gridCol w="1536192">
                   <a:extLst>
                     <a:ext uri="{9D8B030D-6E8A-4147-A177-3AD203B41FA5}">
-                      <a16:colId xmlns="" xmlns:a16="http://schemas.microsoft.com/office/drawing/2014/main" val="20004"/>
+                      <a16:colId xmlns:a16="http://schemas.microsoft.com/office/drawing/2014/main" xmlns="" val="20004"/>
                     </a:ext>
                   </a:extLst>
                 </a:gridCol>
@@ -4272,7 +4272,7 @@
                 </a:tc>
                 <a:extLst>
                   <a:ext uri="{0D108BD9-81ED-4DB2-BD59-A6C34878D82A}">
-                    <a16:rowId xmlns="" xmlns:a16="http://schemas.microsoft.com/office/drawing/2014/main" val="10000"/>
+                    <a16:rowId xmlns:a16="http://schemas.microsoft.com/office/drawing/2014/main" xmlns="" val="10000"/>
                   </a:ext>
                 </a:extLst>
               </a:tr>
@@ -4539,7 +4539,7 @@
                 </a:tc>
                 <a:extLst>
                   <a:ext uri="{0D108BD9-81ED-4DB2-BD59-A6C34878D82A}">
-                    <a16:rowId xmlns="" xmlns:a16="http://schemas.microsoft.com/office/drawing/2014/main" val="10001"/>
+                    <a16:rowId xmlns:a16="http://schemas.microsoft.com/office/drawing/2014/main" xmlns="" val="10001"/>
                   </a:ext>
                 </a:extLst>
               </a:tr>
@@ -4791,7 +4791,7 @@
                 </a:tc>
                 <a:extLst>
                   <a:ext uri="{0D108BD9-81ED-4DB2-BD59-A6C34878D82A}">
-                    <a16:rowId xmlns="" xmlns:a16="http://schemas.microsoft.com/office/drawing/2014/main" val="10002"/>
+                    <a16:rowId xmlns:a16="http://schemas.microsoft.com/office/drawing/2014/main" xmlns="" val="10002"/>
                   </a:ext>
                 </a:extLst>
               </a:tr>
@@ -5043,7 +5043,7 @@
                 </a:tc>
                 <a:extLst>
                   <a:ext uri="{0D108BD9-81ED-4DB2-BD59-A6C34878D82A}">
-                    <a16:rowId xmlns="" xmlns:a16="http://schemas.microsoft.com/office/drawing/2014/main" val="10003"/>
+                    <a16:rowId xmlns:a16="http://schemas.microsoft.com/office/drawing/2014/main" xmlns="" val="10003"/>
                   </a:ext>
                 </a:extLst>
               </a:tr>
@@ -5295,7 +5295,7 @@
                 </a:tc>
                 <a:extLst>
                   <a:ext uri="{0D108BD9-81ED-4DB2-BD59-A6C34878D82A}">
-                    <a16:rowId xmlns="" xmlns:a16="http://schemas.microsoft.com/office/drawing/2014/main" val="10004"/>
+                    <a16:rowId xmlns:a16="http://schemas.microsoft.com/office/drawing/2014/main" xmlns="" val="10004"/>
                   </a:ext>
                 </a:extLst>
               </a:tr>
@@ -5547,7 +5547,7 @@
                 </a:tc>
                 <a:extLst>
                   <a:ext uri="{0D108BD9-81ED-4DB2-BD59-A6C34878D82A}">
-                    <a16:rowId xmlns="" xmlns:a16="http://schemas.microsoft.com/office/drawing/2014/main" val="10005"/>
+                    <a16:rowId xmlns:a16="http://schemas.microsoft.com/office/drawing/2014/main" xmlns="" val="10005"/>
                   </a:ext>
                 </a:extLst>
               </a:tr>
@@ -5799,7 +5799,7 @@
                 </a:tc>
                 <a:extLst>
                   <a:ext uri="{0D108BD9-81ED-4DB2-BD59-A6C34878D82A}">
-                    <a16:rowId xmlns="" xmlns:a16="http://schemas.microsoft.com/office/drawing/2014/main" val="10006"/>
+                    <a16:rowId xmlns:a16="http://schemas.microsoft.com/office/drawing/2014/main" xmlns="" val="10006"/>
                   </a:ext>
                 </a:extLst>
               </a:tr>
@@ -6051,7 +6051,7 @@
                 </a:tc>
                 <a:extLst>
                   <a:ext uri="{0D108BD9-81ED-4DB2-BD59-A6C34878D82A}">
-                    <a16:rowId xmlns="" xmlns:a16="http://schemas.microsoft.com/office/drawing/2014/main" val="10007"/>
+                    <a16:rowId xmlns:a16="http://schemas.microsoft.com/office/drawing/2014/main" xmlns="" val="10007"/>
                   </a:ext>
                 </a:extLst>
               </a:tr>
@@ -6303,7 +6303,7 @@
                 </a:tc>
                 <a:extLst>
                   <a:ext uri="{0D108BD9-81ED-4DB2-BD59-A6C34878D82A}">
-                    <a16:rowId xmlns="" xmlns:a16="http://schemas.microsoft.com/office/drawing/2014/main" val="10008"/>
+                    <a16:rowId xmlns:a16="http://schemas.microsoft.com/office/drawing/2014/main" xmlns="" val="10008"/>
                   </a:ext>
                 </a:extLst>
               </a:tr>
@@ -6555,7 +6555,7 @@
                 </a:tc>
                 <a:extLst>
                   <a:ext uri="{0D108BD9-81ED-4DB2-BD59-A6C34878D82A}">
-                    <a16:rowId xmlns="" xmlns:a16="http://schemas.microsoft.com/office/drawing/2014/main" val="10009"/>
+                    <a16:rowId xmlns:a16="http://schemas.microsoft.com/office/drawing/2014/main" xmlns="" val="10009"/>
                   </a:ext>
                 </a:extLst>
               </a:tr>
@@ -6807,7 +6807,7 @@
                 </a:tc>
                 <a:extLst>
                   <a:ext uri="{0D108BD9-81ED-4DB2-BD59-A6C34878D82A}">
-                    <a16:rowId xmlns="" xmlns:a16="http://schemas.microsoft.com/office/drawing/2014/main" val="10010"/>
+                    <a16:rowId xmlns:a16="http://schemas.microsoft.com/office/drawing/2014/main" xmlns="" val="10010"/>
                   </a:ext>
                 </a:extLst>
               </a:tr>
@@ -7059,7 +7059,7 @@
                 </a:tc>
                 <a:extLst>
                   <a:ext uri="{0D108BD9-81ED-4DB2-BD59-A6C34878D82A}">
-                    <a16:rowId xmlns="" xmlns:a16="http://schemas.microsoft.com/office/drawing/2014/main" val="10011"/>
+                    <a16:rowId xmlns:a16="http://schemas.microsoft.com/office/drawing/2014/main" xmlns="" val="10011"/>
                   </a:ext>
                 </a:extLst>
               </a:tr>
@@ -7072,7 +7072,7 @@
           <p:cNvPr id="2" name="TextBox 1">
             <a:extLst>
               <a:ext uri="{FF2B5EF4-FFF2-40B4-BE49-F238E27FC236}">
-                <a16:creationId xmlns="" xmlns:a16="http://schemas.microsoft.com/office/drawing/2014/main" id="{B18B374C-1041-4581-BA62-0631144FC7D0}"/>
+                <a16:creationId xmlns:a16="http://schemas.microsoft.com/office/drawing/2014/main" xmlns="" id="{B18B374C-1041-4581-BA62-0631144FC7D0}"/>
               </a:ext>
             </a:extLst>
           </p:cNvPr>
@@ -7168,7 +7168,7 @@
           <p:cNvPr id="4" name="표 4">
             <a:extLst>
               <a:ext uri="{FF2B5EF4-FFF2-40B4-BE49-F238E27FC236}">
-                <a16:creationId xmlns="" xmlns:a16="http://schemas.microsoft.com/office/drawing/2014/main" id="{49C4F918-4081-4791-8D2A-829FF061BDB8}"/>
+                <a16:creationId xmlns:a16="http://schemas.microsoft.com/office/drawing/2014/main" xmlns="" id="{49C4F918-4081-4791-8D2A-829FF061BDB8}"/>
               </a:ext>
             </a:extLst>
           </p:cNvPr>
@@ -7197,56 +7197,56 @@
                 <a:gridCol w="927823">
                   <a:extLst>
                     <a:ext uri="{9D8B030D-6E8A-4147-A177-3AD203B41FA5}">
-                      <a16:colId xmlns="" xmlns:a16="http://schemas.microsoft.com/office/drawing/2014/main" val="3551754930"/>
+                      <a16:colId xmlns:a16="http://schemas.microsoft.com/office/drawing/2014/main" xmlns="" val="3551754930"/>
                     </a:ext>
                   </a:extLst>
                 </a:gridCol>
                 <a:gridCol w="1952957">
                   <a:extLst>
                     <a:ext uri="{9D8B030D-6E8A-4147-A177-3AD203B41FA5}">
-                      <a16:colId xmlns="" xmlns:a16="http://schemas.microsoft.com/office/drawing/2014/main" val="4022677618"/>
+                      <a16:colId xmlns:a16="http://schemas.microsoft.com/office/drawing/2014/main" xmlns="" val="4022677618"/>
                     </a:ext>
                   </a:extLst>
                 </a:gridCol>
                 <a:gridCol w="1440390">
                   <a:extLst>
                     <a:ext uri="{9D8B030D-6E8A-4147-A177-3AD203B41FA5}">
-                      <a16:colId xmlns="" xmlns:a16="http://schemas.microsoft.com/office/drawing/2014/main" val="2662749736"/>
+                      <a16:colId xmlns:a16="http://schemas.microsoft.com/office/drawing/2014/main" xmlns="" val="2662749736"/>
                     </a:ext>
                   </a:extLst>
                 </a:gridCol>
                 <a:gridCol w="1849772">
                   <a:extLst>
                     <a:ext uri="{9D8B030D-6E8A-4147-A177-3AD203B41FA5}">
-                      <a16:colId xmlns="" xmlns:a16="http://schemas.microsoft.com/office/drawing/2014/main" val="3071496927"/>
+                      <a16:colId xmlns:a16="http://schemas.microsoft.com/office/drawing/2014/main" xmlns="" val="3071496927"/>
                     </a:ext>
                   </a:extLst>
                 </a:gridCol>
                 <a:gridCol w="1031008">
                   <a:extLst>
                     <a:ext uri="{9D8B030D-6E8A-4147-A177-3AD203B41FA5}">
-                      <a16:colId xmlns="" xmlns:a16="http://schemas.microsoft.com/office/drawing/2014/main" val="2443176289"/>
+                      <a16:colId xmlns:a16="http://schemas.microsoft.com/office/drawing/2014/main" xmlns="" val="2443176289"/>
                     </a:ext>
                   </a:extLst>
                 </a:gridCol>
                 <a:gridCol w="1440390">
                   <a:extLst>
                     <a:ext uri="{9D8B030D-6E8A-4147-A177-3AD203B41FA5}">
-                      <a16:colId xmlns="" xmlns:a16="http://schemas.microsoft.com/office/drawing/2014/main" val="2422538866"/>
+                      <a16:colId xmlns:a16="http://schemas.microsoft.com/office/drawing/2014/main" xmlns="" val="2422538866"/>
                     </a:ext>
                   </a:extLst>
                 </a:gridCol>
                 <a:gridCol w="1440390">
                   <a:extLst>
                     <a:ext uri="{9D8B030D-6E8A-4147-A177-3AD203B41FA5}">
-                      <a16:colId xmlns="" xmlns:a16="http://schemas.microsoft.com/office/drawing/2014/main" val="1348454490"/>
+                      <a16:colId xmlns:a16="http://schemas.microsoft.com/office/drawing/2014/main" xmlns="" val="1348454490"/>
                     </a:ext>
                   </a:extLst>
                 </a:gridCol>
                 <a:gridCol w="1440390">
                   <a:extLst>
                     <a:ext uri="{9D8B030D-6E8A-4147-A177-3AD203B41FA5}">
-                      <a16:colId xmlns="" xmlns:a16="http://schemas.microsoft.com/office/drawing/2014/main" val="2957441163"/>
+                      <a16:colId xmlns:a16="http://schemas.microsoft.com/office/drawing/2014/main" xmlns="" val="2957441163"/>
                     </a:ext>
                   </a:extLst>
                 </a:gridCol>
@@ -7454,7 +7454,7 @@
                 </a:tc>
                 <a:extLst>
                   <a:ext uri="{0D108BD9-81ED-4DB2-BD59-A6C34878D82A}">
-                    <a16:rowId xmlns="" xmlns:a16="http://schemas.microsoft.com/office/drawing/2014/main" val="4203832953"/>
+                    <a16:rowId xmlns:a16="http://schemas.microsoft.com/office/drawing/2014/main" xmlns="" val="4203832953"/>
                   </a:ext>
                 </a:extLst>
               </a:tr>
@@ -7570,7 +7570,7 @@
                 </a:tc>
                 <a:extLst>
                   <a:ext uri="{0D108BD9-81ED-4DB2-BD59-A6C34878D82A}">
-                    <a16:rowId xmlns="" xmlns:a16="http://schemas.microsoft.com/office/drawing/2014/main" val="816523890"/>
+                    <a16:rowId xmlns:a16="http://schemas.microsoft.com/office/drawing/2014/main" xmlns="" val="816523890"/>
                   </a:ext>
                 </a:extLst>
               </a:tr>
@@ -7583,7 +7583,7 @@
           <p:cNvPr id="6" name="직사각형 5">
             <a:extLst>
               <a:ext uri="{FF2B5EF4-FFF2-40B4-BE49-F238E27FC236}">
-                <a16:creationId xmlns="" xmlns:a16="http://schemas.microsoft.com/office/drawing/2014/main" id="{35E5C6BE-28DC-4EFD-B8D0-5975940F37B6}"/>
+                <a16:creationId xmlns:a16="http://schemas.microsoft.com/office/drawing/2014/main" xmlns="" id="{35E5C6BE-28DC-4EFD-B8D0-5975940F37B6}"/>
               </a:ext>
             </a:extLst>
           </p:cNvPr>
@@ -7639,7 +7639,7 @@
           <p:cNvPr id="8" name="TextBox 7">
             <a:extLst>
               <a:ext uri="{FF2B5EF4-FFF2-40B4-BE49-F238E27FC236}">
-                <a16:creationId xmlns="" xmlns:a16="http://schemas.microsoft.com/office/drawing/2014/main" id="{F379CE12-E990-4539-8A28-EE265D1AD557}"/>
+                <a16:creationId xmlns:a16="http://schemas.microsoft.com/office/drawing/2014/main" xmlns="" id="{F379CE12-E990-4539-8A28-EE265D1AD557}"/>
               </a:ext>
             </a:extLst>
           </p:cNvPr>
@@ -7675,7 +7675,7 @@
           <p:cNvPr id="9" name="표 9">
             <a:extLst>
               <a:ext uri="{FF2B5EF4-FFF2-40B4-BE49-F238E27FC236}">
-                <a16:creationId xmlns="" xmlns:a16="http://schemas.microsoft.com/office/drawing/2014/main" id="{A4DAE24B-7870-4C9F-B44D-61446EF43AAE}"/>
+                <a16:creationId xmlns:a16="http://schemas.microsoft.com/office/drawing/2014/main" xmlns="" id="{A4DAE24B-7870-4C9F-B44D-61446EF43AAE}"/>
               </a:ext>
             </a:extLst>
           </p:cNvPr>
@@ -7685,14 +7685,14 @@
           <p:nvPr>
             <p:extLst>
               <p:ext uri="{D42A27DB-BD31-4B8C-83A1-F6EECF244321}">
-                <p14:modId xmlns:p14="http://schemas.microsoft.com/office/powerpoint/2010/main" val="66364745"/>
+                <p14:modId xmlns:p14="http://schemas.microsoft.com/office/powerpoint/2010/main" val="1951130596"/>
               </p:ext>
             </p:extLst>
           </p:nvPr>
         </p:nvGraphicFramePr>
         <p:xfrm>
           <a:off x="7629707" y="1600512"/>
-          <a:ext cx="4165216" cy="2270760"/>
+          <a:ext cx="4165216" cy="1584960"/>
         </p:xfrm>
         <a:graphic>
           <a:graphicData uri="http://schemas.openxmlformats.org/drawingml/2006/table">
@@ -7704,14 +7704,14 @@
                 <a:gridCol w="988825">
                   <a:extLst>
                     <a:ext uri="{9D8B030D-6E8A-4147-A177-3AD203B41FA5}">
-                      <a16:colId xmlns="" xmlns:a16="http://schemas.microsoft.com/office/drawing/2014/main" val="1182150660"/>
+                      <a16:colId xmlns:a16="http://schemas.microsoft.com/office/drawing/2014/main" xmlns="" val="1182150660"/>
                     </a:ext>
                   </a:extLst>
                 </a:gridCol>
                 <a:gridCol w="3176391">
                   <a:extLst>
                     <a:ext uri="{9D8B030D-6E8A-4147-A177-3AD203B41FA5}">
-                      <a16:colId xmlns="" xmlns:a16="http://schemas.microsoft.com/office/drawing/2014/main" val="4147934373"/>
+                      <a16:colId xmlns:a16="http://schemas.microsoft.com/office/drawing/2014/main" xmlns="" val="4147934373"/>
                     </a:ext>
                   </a:extLst>
                 </a:gridCol>
@@ -7750,7 +7750,7 @@
                 </a:tc>
                 <a:extLst>
                   <a:ext uri="{0D108BD9-81ED-4DB2-BD59-A6C34878D82A}">
-                    <a16:rowId xmlns="" xmlns:a16="http://schemas.microsoft.com/office/drawing/2014/main" val="3149172795"/>
+                    <a16:rowId xmlns:a16="http://schemas.microsoft.com/office/drawing/2014/main" xmlns="" val="3149172795"/>
                   </a:ext>
                 </a:extLst>
               </a:tr>
@@ -7795,7 +7795,7 @@
                 </a:tc>
                 <a:extLst>
                   <a:ext uri="{0D108BD9-81ED-4DB2-BD59-A6C34878D82A}">
-                    <a16:rowId xmlns="" xmlns:a16="http://schemas.microsoft.com/office/drawing/2014/main" val="991773336"/>
+                    <a16:rowId xmlns:a16="http://schemas.microsoft.com/office/drawing/2014/main" xmlns="" val="991773336"/>
                   </a:ext>
                 </a:extLst>
               </a:tr>
@@ -7834,7 +7834,7 @@
                 </a:tc>
                 <a:extLst>
                   <a:ext uri="{0D108BD9-81ED-4DB2-BD59-A6C34878D82A}">
-                    <a16:rowId xmlns="" xmlns:a16="http://schemas.microsoft.com/office/drawing/2014/main" val="1716349900"/>
+                    <a16:rowId xmlns:a16="http://schemas.microsoft.com/office/drawing/2014/main" xmlns="" val="1716349900"/>
                   </a:ext>
                 </a:extLst>
               </a:tr>
@@ -7883,7 +7883,7 @@
                 </a:tc>
                 <a:extLst>
                   <a:ext uri="{0D108BD9-81ED-4DB2-BD59-A6C34878D82A}">
-                    <a16:rowId xmlns="" xmlns:a16="http://schemas.microsoft.com/office/drawing/2014/main" val="2257849731"/>
+                    <a16:rowId xmlns:a16="http://schemas.microsoft.com/office/drawing/2014/main" xmlns="" val="2257849731"/>
                   </a:ext>
                 </a:extLst>
               </a:tr>
@@ -7930,7 +7930,7 @@
                 </a:tc>
                 <a:extLst>
                   <a:ext uri="{0D108BD9-81ED-4DB2-BD59-A6C34878D82A}">
-                    <a16:rowId xmlns="" xmlns:a16="http://schemas.microsoft.com/office/drawing/2014/main" val="192182526"/>
+                    <a16:rowId xmlns:a16="http://schemas.microsoft.com/office/drawing/2014/main" xmlns="" val="192182526"/>
                   </a:ext>
                 </a:extLst>
               </a:tr>
@@ -7987,7 +7987,7 @@
                 </a:tc>
                 <a:extLst>
                   <a:ext uri="{0D108BD9-81ED-4DB2-BD59-A6C34878D82A}">
-                    <a16:rowId xmlns="" xmlns:a16="http://schemas.microsoft.com/office/drawing/2014/main" val="928739555"/>
+                    <a16:rowId xmlns:a16="http://schemas.microsoft.com/office/drawing/2014/main" xmlns="" val="928739555"/>
                   </a:ext>
                 </a:extLst>
               </a:tr>
@@ -8042,122 +8042,7 @@
                 </a:tc>
                 <a:extLst>
                   <a:ext uri="{0D108BD9-81ED-4DB2-BD59-A6C34878D82A}">
-                    <a16:rowId xmlns="" xmlns:a16="http://schemas.microsoft.com/office/drawing/2014/main" val="3355676788"/>
-                  </a:ext>
-                </a:extLst>
-              </a:tr>
-              <a:tr h="197800">
-                <a:tc>
-                  <a:txBody>
-                    <a:bodyPr/>
-                    <a:lstStyle/>
-                    <a:p>
-                      <a:pPr algn="ctr" latinLnBrk="1"/>
-                      <a:r>
-                        <a:rPr lang="en-US" altLang="ko-KR" sz="900" b="1" dirty="0"/>
-                        <a:t>Event</a:t>
-                      </a:r>
-                      <a:endParaRPr lang="ko-KR" altLang="en-US" sz="900" b="1" dirty="0"/>
-                    </a:p>
-                  </a:txBody>
-                  <a:tcPr>
-                    <a:solidFill>
-                      <a:schemeClr val="bg1">
-                        <a:lumMod val="85000"/>
-                      </a:schemeClr>
-                    </a:solidFill>
-                  </a:tcPr>
-                </a:tc>
-                <a:tc>
-                  <a:txBody>
-                    <a:bodyPr/>
-                    <a:lstStyle/>
-                    <a:p>
-                      <a:pPr latinLnBrk="1"/>
-                      <a:endParaRPr lang="ko-KR" altLang="en-US" sz="900" b="1" dirty="0"/>
-                    </a:p>
-                  </a:txBody>
-                  <a:tcPr>
-                    <a:solidFill>
-                      <a:schemeClr val="bg1">
-                        <a:lumMod val="85000"/>
-                      </a:schemeClr>
-                    </a:solidFill>
-                  </a:tcPr>
-                </a:tc>
-                <a:extLst>
-                  <a:ext uri="{0D108BD9-81ED-4DB2-BD59-A6C34878D82A}">
-                    <a16:rowId xmlns="" xmlns:a16="http://schemas.microsoft.com/office/drawing/2014/main" val="2228406566"/>
-                  </a:ext>
-                </a:extLst>
-              </a:tr>
-              <a:tr h="197800">
-                <a:tc>
-                  <a:txBody>
-                    <a:bodyPr/>
-                    <a:lstStyle/>
-                    <a:p>
-                      <a:pPr algn="ctr" latinLnBrk="1"/>
-                      <a:endParaRPr lang="ko-KR" altLang="en-US" sz="900" dirty="0"/>
-                    </a:p>
-                  </a:txBody>
-                  <a:tcPr>
-                    <a:solidFill>
-                      <a:schemeClr val="bg1">
-                        <a:lumMod val="85000"/>
-                      </a:schemeClr>
-                    </a:solidFill>
-                  </a:tcPr>
-                </a:tc>
-                <a:tc>
-                  <a:txBody>
-                    <a:bodyPr/>
-                    <a:lstStyle/>
-                    <a:p>
-                      <a:pPr latinLnBrk="1"/>
-                      <a:endParaRPr lang="ko-KR" altLang="en-US" sz="800" dirty="0"/>
-                    </a:p>
-                  </a:txBody>
-                  <a:tcPr/>
-                </a:tc>
-                <a:extLst>
-                  <a:ext uri="{0D108BD9-81ED-4DB2-BD59-A6C34878D82A}">
-                    <a16:rowId xmlns="" xmlns:a16="http://schemas.microsoft.com/office/drawing/2014/main" val="2624729302"/>
-                  </a:ext>
-                </a:extLst>
-              </a:tr>
-              <a:tr h="197800">
-                <a:tc>
-                  <a:txBody>
-                    <a:bodyPr/>
-                    <a:lstStyle/>
-                    <a:p>
-                      <a:pPr algn="ctr" latinLnBrk="1"/>
-                      <a:endParaRPr lang="ko-KR" altLang="en-US" sz="900" dirty="0"/>
-                    </a:p>
-                  </a:txBody>
-                  <a:tcPr>
-                    <a:solidFill>
-                      <a:schemeClr val="bg1">
-                        <a:lumMod val="85000"/>
-                      </a:schemeClr>
-                    </a:solidFill>
-                  </a:tcPr>
-                </a:tc>
-                <a:tc>
-                  <a:txBody>
-                    <a:bodyPr/>
-                    <a:lstStyle/>
-                    <a:p>
-                      <a:pPr latinLnBrk="1"/>
-                      <a:endParaRPr lang="ko-KR" altLang="en-US" sz="800" dirty="0"/>
-                    </a:p>
-                  </a:txBody>
-                  <a:tcPr/>
-                </a:tc>
-                <a:extLst>
-                  <a:ext uri="{0D108BD9-81ED-4DB2-BD59-A6C34878D82A}">
-                    <a16:rowId xmlns="" xmlns:a16="http://schemas.microsoft.com/office/drawing/2014/main" val="440802784"/>
+                    <a16:rowId xmlns:a16="http://schemas.microsoft.com/office/drawing/2014/main" xmlns="" val="3355676788"/>
                   </a:ext>
                 </a:extLst>
               </a:tr>
@@ -8170,7 +8055,7 @@
           <p:cNvPr id="11" name="직사각형 10">
             <a:extLst>
               <a:ext uri="{FF2B5EF4-FFF2-40B4-BE49-F238E27FC236}">
-                <a16:creationId xmlns="" xmlns:a16="http://schemas.microsoft.com/office/drawing/2014/main" id="{96BF19BA-44AD-4813-9C09-17C5DD3104E6}"/>
+                <a16:creationId xmlns:a16="http://schemas.microsoft.com/office/drawing/2014/main" xmlns="" id="{96BF19BA-44AD-4813-9C09-17C5DD3104E6}"/>
               </a:ext>
             </a:extLst>
           </p:cNvPr>
@@ -8222,7 +8107,7 @@
           <p:cNvPr id="12" name="타원 11">
             <a:extLst>
               <a:ext uri="{FF2B5EF4-FFF2-40B4-BE49-F238E27FC236}">
-                <a16:creationId xmlns="" xmlns:a16="http://schemas.microsoft.com/office/drawing/2014/main" id="{146EFEBA-E5C5-4E17-BB65-08E8DA348944}"/>
+                <a16:creationId xmlns:a16="http://schemas.microsoft.com/office/drawing/2014/main" xmlns="" id="{146EFEBA-E5C5-4E17-BB65-08E8DA348944}"/>
               </a:ext>
             </a:extLst>
           </p:cNvPr>
@@ -8275,7 +8160,7 @@
           <p:cNvPr id="13" name="직사각형 12">
             <a:extLst>
               <a:ext uri="{FF2B5EF4-FFF2-40B4-BE49-F238E27FC236}">
-                <a16:creationId xmlns="" xmlns:a16="http://schemas.microsoft.com/office/drawing/2014/main" id="{F6561933-BFF0-454A-B99B-86CB14A27904}"/>
+                <a16:creationId xmlns:a16="http://schemas.microsoft.com/office/drawing/2014/main" xmlns="" id="{F6561933-BFF0-454A-B99B-86CB14A27904}"/>
               </a:ext>
             </a:extLst>
           </p:cNvPr>
@@ -8327,7 +8212,7 @@
           <p:cNvPr id="14" name="타원 13">
             <a:extLst>
               <a:ext uri="{FF2B5EF4-FFF2-40B4-BE49-F238E27FC236}">
-                <a16:creationId xmlns="" xmlns:a16="http://schemas.microsoft.com/office/drawing/2014/main" id="{0FBAF6C9-6853-4CB6-B338-EF500FE0C8A8}"/>
+                <a16:creationId xmlns:a16="http://schemas.microsoft.com/office/drawing/2014/main" xmlns="" id="{0FBAF6C9-6853-4CB6-B338-EF500FE0C8A8}"/>
               </a:ext>
             </a:extLst>
           </p:cNvPr>
@@ -8475,7 +8360,7 @@
           <p:cNvPr id="4" name="표 4">
             <a:extLst>
               <a:ext uri="{FF2B5EF4-FFF2-40B4-BE49-F238E27FC236}">
-                <a16:creationId xmlns="" xmlns:a16="http://schemas.microsoft.com/office/drawing/2014/main" id="{49C4F918-4081-4791-8D2A-829FF061BDB8}"/>
+                <a16:creationId xmlns:a16="http://schemas.microsoft.com/office/drawing/2014/main" xmlns="" id="{49C4F918-4081-4791-8D2A-829FF061BDB8}"/>
               </a:ext>
             </a:extLst>
           </p:cNvPr>
@@ -8504,56 +8389,56 @@
                 <a:gridCol w="927823">
                   <a:extLst>
                     <a:ext uri="{9D8B030D-6E8A-4147-A177-3AD203B41FA5}">
-                      <a16:colId xmlns="" xmlns:a16="http://schemas.microsoft.com/office/drawing/2014/main" val="3551754930"/>
+                      <a16:colId xmlns:a16="http://schemas.microsoft.com/office/drawing/2014/main" xmlns="" val="3551754930"/>
                     </a:ext>
                   </a:extLst>
                 </a:gridCol>
                 <a:gridCol w="1952957">
                   <a:extLst>
                     <a:ext uri="{9D8B030D-6E8A-4147-A177-3AD203B41FA5}">
-                      <a16:colId xmlns="" xmlns:a16="http://schemas.microsoft.com/office/drawing/2014/main" val="4022677618"/>
+                      <a16:colId xmlns:a16="http://schemas.microsoft.com/office/drawing/2014/main" xmlns="" val="4022677618"/>
                     </a:ext>
                   </a:extLst>
                 </a:gridCol>
                 <a:gridCol w="1440390">
                   <a:extLst>
                     <a:ext uri="{9D8B030D-6E8A-4147-A177-3AD203B41FA5}">
-                      <a16:colId xmlns="" xmlns:a16="http://schemas.microsoft.com/office/drawing/2014/main" val="2662749736"/>
+                      <a16:colId xmlns:a16="http://schemas.microsoft.com/office/drawing/2014/main" xmlns="" val="2662749736"/>
                     </a:ext>
                   </a:extLst>
                 </a:gridCol>
                 <a:gridCol w="1849772">
                   <a:extLst>
                     <a:ext uri="{9D8B030D-6E8A-4147-A177-3AD203B41FA5}">
-                      <a16:colId xmlns="" xmlns:a16="http://schemas.microsoft.com/office/drawing/2014/main" val="3071496927"/>
+                      <a16:colId xmlns:a16="http://schemas.microsoft.com/office/drawing/2014/main" xmlns="" val="3071496927"/>
                     </a:ext>
                   </a:extLst>
                 </a:gridCol>
                 <a:gridCol w="1031008">
                   <a:extLst>
                     <a:ext uri="{9D8B030D-6E8A-4147-A177-3AD203B41FA5}">
-                      <a16:colId xmlns="" xmlns:a16="http://schemas.microsoft.com/office/drawing/2014/main" val="2443176289"/>
+                      <a16:colId xmlns:a16="http://schemas.microsoft.com/office/drawing/2014/main" xmlns="" val="2443176289"/>
                     </a:ext>
                   </a:extLst>
                 </a:gridCol>
                 <a:gridCol w="1440390">
                   <a:extLst>
                     <a:ext uri="{9D8B030D-6E8A-4147-A177-3AD203B41FA5}">
-                      <a16:colId xmlns="" xmlns:a16="http://schemas.microsoft.com/office/drawing/2014/main" val="2422538866"/>
+                      <a16:colId xmlns:a16="http://schemas.microsoft.com/office/drawing/2014/main" xmlns="" val="2422538866"/>
                     </a:ext>
                   </a:extLst>
                 </a:gridCol>
                 <a:gridCol w="1440390">
                   <a:extLst>
                     <a:ext uri="{9D8B030D-6E8A-4147-A177-3AD203B41FA5}">
-                      <a16:colId xmlns="" xmlns:a16="http://schemas.microsoft.com/office/drawing/2014/main" val="1348454490"/>
+                      <a16:colId xmlns:a16="http://schemas.microsoft.com/office/drawing/2014/main" xmlns="" val="1348454490"/>
                     </a:ext>
                   </a:extLst>
                 </a:gridCol>
                 <a:gridCol w="1440390">
                   <a:extLst>
                     <a:ext uri="{9D8B030D-6E8A-4147-A177-3AD203B41FA5}">
-                      <a16:colId xmlns="" xmlns:a16="http://schemas.microsoft.com/office/drawing/2014/main" val="2957441163"/>
+                      <a16:colId xmlns:a16="http://schemas.microsoft.com/office/drawing/2014/main" xmlns="" val="2957441163"/>
                     </a:ext>
                   </a:extLst>
                 </a:gridCol>
@@ -8761,7 +8646,7 @@
                 </a:tc>
                 <a:extLst>
                   <a:ext uri="{0D108BD9-81ED-4DB2-BD59-A6C34878D82A}">
-                    <a16:rowId xmlns="" xmlns:a16="http://schemas.microsoft.com/office/drawing/2014/main" val="4203832953"/>
+                    <a16:rowId xmlns:a16="http://schemas.microsoft.com/office/drawing/2014/main" xmlns="" val="4203832953"/>
                   </a:ext>
                 </a:extLst>
               </a:tr>
@@ -8877,7 +8762,7 @@
                 </a:tc>
                 <a:extLst>
                   <a:ext uri="{0D108BD9-81ED-4DB2-BD59-A6C34878D82A}">
-                    <a16:rowId xmlns="" xmlns:a16="http://schemas.microsoft.com/office/drawing/2014/main" val="816523890"/>
+                    <a16:rowId xmlns:a16="http://schemas.microsoft.com/office/drawing/2014/main" xmlns="" val="816523890"/>
                   </a:ext>
                 </a:extLst>
               </a:tr>
@@ -8890,7 +8775,7 @@
           <p:cNvPr id="6" name="직사각형 5">
             <a:extLst>
               <a:ext uri="{FF2B5EF4-FFF2-40B4-BE49-F238E27FC236}">
-                <a16:creationId xmlns="" xmlns:a16="http://schemas.microsoft.com/office/drawing/2014/main" id="{35E5C6BE-28DC-4EFD-B8D0-5975940F37B6}"/>
+                <a16:creationId xmlns:a16="http://schemas.microsoft.com/office/drawing/2014/main" xmlns="" id="{35E5C6BE-28DC-4EFD-B8D0-5975940F37B6}"/>
               </a:ext>
             </a:extLst>
           </p:cNvPr>
@@ -8946,7 +8831,7 @@
           <p:cNvPr id="8" name="TextBox 7">
             <a:extLst>
               <a:ext uri="{FF2B5EF4-FFF2-40B4-BE49-F238E27FC236}">
-                <a16:creationId xmlns="" xmlns:a16="http://schemas.microsoft.com/office/drawing/2014/main" id="{F379CE12-E990-4539-8A28-EE265D1AD557}"/>
+                <a16:creationId xmlns:a16="http://schemas.microsoft.com/office/drawing/2014/main" xmlns="" id="{F379CE12-E990-4539-8A28-EE265D1AD557}"/>
               </a:ext>
             </a:extLst>
           </p:cNvPr>
@@ -8982,7 +8867,7 @@
           <p:cNvPr id="9" name="표 9">
             <a:extLst>
               <a:ext uri="{FF2B5EF4-FFF2-40B4-BE49-F238E27FC236}">
-                <a16:creationId xmlns="" xmlns:a16="http://schemas.microsoft.com/office/drawing/2014/main" id="{A4DAE24B-7870-4C9F-B44D-61446EF43AAE}"/>
+                <a16:creationId xmlns:a16="http://schemas.microsoft.com/office/drawing/2014/main" xmlns="" id="{A4DAE24B-7870-4C9F-B44D-61446EF43AAE}"/>
               </a:ext>
             </a:extLst>
           </p:cNvPr>
@@ -8992,7 +8877,7 @@
           <p:nvPr>
             <p:extLst>
               <p:ext uri="{D42A27DB-BD31-4B8C-83A1-F6EECF244321}">
-                <p14:modId xmlns:p14="http://schemas.microsoft.com/office/powerpoint/2010/main" val="1032387182"/>
+                <p14:modId xmlns:p14="http://schemas.microsoft.com/office/powerpoint/2010/main" val="1073229776"/>
               </p:ext>
             </p:extLst>
           </p:nvPr>
@@ -9011,14 +8896,14 @@
                 <a:gridCol w="988825">
                   <a:extLst>
                     <a:ext uri="{9D8B030D-6E8A-4147-A177-3AD203B41FA5}">
-                      <a16:colId xmlns="" xmlns:a16="http://schemas.microsoft.com/office/drawing/2014/main" val="1182150660"/>
+                      <a16:colId xmlns:a16="http://schemas.microsoft.com/office/drawing/2014/main" xmlns="" val="1182150660"/>
                     </a:ext>
                   </a:extLst>
                 </a:gridCol>
                 <a:gridCol w="3176391">
                   <a:extLst>
                     <a:ext uri="{9D8B030D-6E8A-4147-A177-3AD203B41FA5}">
-                      <a16:colId xmlns="" xmlns:a16="http://schemas.microsoft.com/office/drawing/2014/main" val="4147934373"/>
+                      <a16:colId xmlns:a16="http://schemas.microsoft.com/office/drawing/2014/main" xmlns="" val="4147934373"/>
                     </a:ext>
                   </a:extLst>
                 </a:gridCol>
@@ -9057,7 +8942,7 @@
                 </a:tc>
                 <a:extLst>
                   <a:ext uri="{0D108BD9-81ED-4DB2-BD59-A6C34878D82A}">
-                    <a16:rowId xmlns="" xmlns:a16="http://schemas.microsoft.com/office/drawing/2014/main" val="3149172795"/>
+                    <a16:rowId xmlns:a16="http://schemas.microsoft.com/office/drawing/2014/main" xmlns="" val="3149172795"/>
                   </a:ext>
                 </a:extLst>
               </a:tr>
@@ -9102,7 +8987,7 @@
                 </a:tc>
                 <a:extLst>
                   <a:ext uri="{0D108BD9-81ED-4DB2-BD59-A6C34878D82A}">
-                    <a16:rowId xmlns="" xmlns:a16="http://schemas.microsoft.com/office/drawing/2014/main" val="991773336"/>
+                    <a16:rowId xmlns:a16="http://schemas.microsoft.com/office/drawing/2014/main" xmlns="" val="991773336"/>
                   </a:ext>
                 </a:extLst>
               </a:tr>
@@ -9141,7 +9026,7 @@
                 </a:tc>
                 <a:extLst>
                   <a:ext uri="{0D108BD9-81ED-4DB2-BD59-A6C34878D82A}">
-                    <a16:rowId xmlns="" xmlns:a16="http://schemas.microsoft.com/office/drawing/2014/main" val="1716349900"/>
+                    <a16:rowId xmlns:a16="http://schemas.microsoft.com/office/drawing/2014/main" xmlns="" val="1716349900"/>
                   </a:ext>
                 </a:extLst>
               </a:tr>
@@ -9190,7 +9075,7 @@
                 </a:tc>
                 <a:extLst>
                   <a:ext uri="{0D108BD9-81ED-4DB2-BD59-A6C34878D82A}">
-                    <a16:rowId xmlns="" xmlns:a16="http://schemas.microsoft.com/office/drawing/2014/main" val="2257849731"/>
+                    <a16:rowId xmlns:a16="http://schemas.microsoft.com/office/drawing/2014/main" xmlns="" val="2257849731"/>
                   </a:ext>
                 </a:extLst>
               </a:tr>
@@ -9237,7 +9122,7 @@
                 </a:tc>
                 <a:extLst>
                   <a:ext uri="{0D108BD9-81ED-4DB2-BD59-A6C34878D82A}">
-                    <a16:rowId xmlns="" xmlns:a16="http://schemas.microsoft.com/office/drawing/2014/main" val="192182526"/>
+                    <a16:rowId xmlns:a16="http://schemas.microsoft.com/office/drawing/2014/main" xmlns="" val="192182526"/>
                   </a:ext>
                 </a:extLst>
               </a:tr>
@@ -9290,7 +9175,7 @@
                 </a:tc>
                 <a:extLst>
                   <a:ext uri="{0D108BD9-81ED-4DB2-BD59-A6C34878D82A}">
-                    <a16:rowId xmlns="" xmlns:a16="http://schemas.microsoft.com/office/drawing/2014/main" val="928739555"/>
+                    <a16:rowId xmlns:a16="http://schemas.microsoft.com/office/drawing/2014/main" xmlns="" val="928739555"/>
                   </a:ext>
                 </a:extLst>
               </a:tr>
@@ -9357,7 +9242,7 @@
                 </a:tc>
                 <a:extLst>
                   <a:ext uri="{0D108BD9-81ED-4DB2-BD59-A6C34878D82A}">
-                    <a16:rowId xmlns="" xmlns:a16="http://schemas.microsoft.com/office/drawing/2014/main" val="3355676788"/>
+                    <a16:rowId xmlns:a16="http://schemas.microsoft.com/office/drawing/2014/main" xmlns="" val="3355676788"/>
                   </a:ext>
                 </a:extLst>
               </a:tr>
@@ -9406,7 +9291,7 @@
                 </a:tc>
                 <a:extLst>
                   <a:ext uri="{0D108BD9-81ED-4DB2-BD59-A6C34878D82A}">
-                    <a16:rowId xmlns="" xmlns:a16="http://schemas.microsoft.com/office/drawing/2014/main" val="2228406566"/>
+                    <a16:rowId xmlns:a16="http://schemas.microsoft.com/office/drawing/2014/main" xmlns="" val="2228406566"/>
                   </a:ext>
                 </a:extLst>
               </a:tr>
@@ -9453,7 +9338,7 @@
                 </a:tc>
                 <a:extLst>
                   <a:ext uri="{0D108BD9-81ED-4DB2-BD59-A6C34878D82A}">
-                    <a16:rowId xmlns="" xmlns:a16="http://schemas.microsoft.com/office/drawing/2014/main" val="2624729302"/>
+                    <a16:rowId xmlns:a16="http://schemas.microsoft.com/office/drawing/2014/main" xmlns="" val="2624729302"/>
                   </a:ext>
                 </a:extLst>
               </a:tr>
@@ -9492,11 +9377,17 @@
                       <a:endParaRPr lang="ko-KR" altLang="en-US" sz="900" b="1" dirty="0"/>
                     </a:p>
                   </a:txBody>
-                  <a:tcPr/>
+                  <a:tcPr>
+                    <a:solidFill>
+                      <a:schemeClr val="bg1">
+                        <a:lumMod val="85000"/>
+                      </a:schemeClr>
+                    </a:solidFill>
+                  </a:tcPr>
                 </a:tc>
                 <a:extLst>
                   <a:ext uri="{0D108BD9-81ED-4DB2-BD59-A6C34878D82A}">
-                    <a16:rowId xmlns="" xmlns:a16="http://schemas.microsoft.com/office/drawing/2014/main" val="440802784"/>
+                    <a16:rowId xmlns:a16="http://schemas.microsoft.com/office/drawing/2014/main" xmlns="" val="440802784"/>
                   </a:ext>
                 </a:extLst>
               </a:tr>
@@ -9577,7 +9468,13 @@
                       <a:endParaRPr lang="ko-KR" altLang="en-US" sz="900" b="1" dirty="0"/>
                     </a:p>
                   </a:txBody>
-                  <a:tcPr/>
+                  <a:tcPr>
+                    <a:solidFill>
+                      <a:schemeClr val="bg1">
+                        <a:lumMod val="85000"/>
+                      </a:schemeClr>
+                    </a:solidFill>
+                  </a:tcPr>
                 </a:tc>
               </a:tr>
               <a:tr h="152400">
@@ -9639,7 +9536,7 @@
           <p:cNvPr id="11" name="직사각형 10">
             <a:extLst>
               <a:ext uri="{FF2B5EF4-FFF2-40B4-BE49-F238E27FC236}">
-                <a16:creationId xmlns="" xmlns:a16="http://schemas.microsoft.com/office/drawing/2014/main" id="{96BF19BA-44AD-4813-9C09-17C5DD3104E6}"/>
+                <a16:creationId xmlns:a16="http://schemas.microsoft.com/office/drawing/2014/main" xmlns="" id="{96BF19BA-44AD-4813-9C09-17C5DD3104E6}"/>
               </a:ext>
             </a:extLst>
           </p:cNvPr>
@@ -9691,7 +9588,7 @@
           <p:cNvPr id="12" name="타원 11">
             <a:extLst>
               <a:ext uri="{FF2B5EF4-FFF2-40B4-BE49-F238E27FC236}">
-                <a16:creationId xmlns="" xmlns:a16="http://schemas.microsoft.com/office/drawing/2014/main" id="{146EFEBA-E5C5-4E17-BB65-08E8DA348944}"/>
+                <a16:creationId xmlns:a16="http://schemas.microsoft.com/office/drawing/2014/main" xmlns="" id="{146EFEBA-E5C5-4E17-BB65-08E8DA348944}"/>
               </a:ext>
             </a:extLst>
           </p:cNvPr>
@@ -9744,7 +9641,7 @@
           <p:cNvPr id="13" name="직사각형 12">
             <a:extLst>
               <a:ext uri="{FF2B5EF4-FFF2-40B4-BE49-F238E27FC236}">
-                <a16:creationId xmlns="" xmlns:a16="http://schemas.microsoft.com/office/drawing/2014/main" id="{F6561933-BFF0-454A-B99B-86CB14A27904}"/>
+                <a16:creationId xmlns:a16="http://schemas.microsoft.com/office/drawing/2014/main" xmlns="" id="{F6561933-BFF0-454A-B99B-86CB14A27904}"/>
               </a:ext>
             </a:extLst>
           </p:cNvPr>
@@ -9796,7 +9693,7 @@
           <p:cNvPr id="14" name="타원 13">
             <a:extLst>
               <a:ext uri="{FF2B5EF4-FFF2-40B4-BE49-F238E27FC236}">
-                <a16:creationId xmlns="" xmlns:a16="http://schemas.microsoft.com/office/drawing/2014/main" id="{0FBAF6C9-6853-4CB6-B338-EF500FE0C8A8}"/>
+                <a16:creationId xmlns:a16="http://schemas.microsoft.com/office/drawing/2014/main" xmlns="" id="{0FBAF6C9-6853-4CB6-B338-EF500FE0C8A8}"/>
               </a:ext>
             </a:extLst>
           </p:cNvPr>
@@ -9849,7 +9746,7 @@
           <p:cNvPr id="18" name="직사각형 17">
             <a:extLst>
               <a:ext uri="{FF2B5EF4-FFF2-40B4-BE49-F238E27FC236}">
-                <a16:creationId xmlns="" xmlns:a16="http://schemas.microsoft.com/office/drawing/2014/main" id="{96BF19BA-44AD-4813-9C09-17C5DD3104E6}"/>
+                <a16:creationId xmlns:a16="http://schemas.microsoft.com/office/drawing/2014/main" xmlns="" id="{96BF19BA-44AD-4813-9C09-17C5DD3104E6}"/>
               </a:ext>
             </a:extLst>
           </p:cNvPr>
@@ -9901,7 +9798,7 @@
           <p:cNvPr id="19" name="타원 18">
             <a:extLst>
               <a:ext uri="{FF2B5EF4-FFF2-40B4-BE49-F238E27FC236}">
-                <a16:creationId xmlns="" xmlns:a16="http://schemas.microsoft.com/office/drawing/2014/main" id="{146EFEBA-E5C5-4E17-BB65-08E8DA348944}"/>
+                <a16:creationId xmlns:a16="http://schemas.microsoft.com/office/drawing/2014/main" xmlns="" id="{146EFEBA-E5C5-4E17-BB65-08E8DA348944}"/>
               </a:ext>
             </a:extLst>
           </p:cNvPr>
@@ -9954,7 +9851,7 @@
           <p:cNvPr id="20" name="직사각형 19">
             <a:extLst>
               <a:ext uri="{FF2B5EF4-FFF2-40B4-BE49-F238E27FC236}">
-                <a16:creationId xmlns="" xmlns:a16="http://schemas.microsoft.com/office/drawing/2014/main" id="{F6561933-BFF0-454A-B99B-86CB14A27904}"/>
+                <a16:creationId xmlns:a16="http://schemas.microsoft.com/office/drawing/2014/main" xmlns="" id="{F6561933-BFF0-454A-B99B-86CB14A27904}"/>
               </a:ext>
             </a:extLst>
           </p:cNvPr>
@@ -10006,7 +9903,7 @@
           <p:cNvPr id="21" name="타원 20">
             <a:extLst>
               <a:ext uri="{FF2B5EF4-FFF2-40B4-BE49-F238E27FC236}">
-                <a16:creationId xmlns="" xmlns:a16="http://schemas.microsoft.com/office/drawing/2014/main" id="{146EFEBA-E5C5-4E17-BB65-08E8DA348944}"/>
+                <a16:creationId xmlns:a16="http://schemas.microsoft.com/office/drawing/2014/main" xmlns="" id="{146EFEBA-E5C5-4E17-BB65-08E8DA348944}"/>
               </a:ext>
             </a:extLst>
           </p:cNvPr>
@@ -10059,7 +9956,7 @@
           <p:cNvPr id="22" name="직사각형 21">
             <a:extLst>
               <a:ext uri="{FF2B5EF4-FFF2-40B4-BE49-F238E27FC236}">
-                <a16:creationId xmlns="" xmlns:a16="http://schemas.microsoft.com/office/drawing/2014/main" id="{F6561933-BFF0-454A-B99B-86CB14A27904}"/>
+                <a16:creationId xmlns:a16="http://schemas.microsoft.com/office/drawing/2014/main" xmlns="" id="{F6561933-BFF0-454A-B99B-86CB14A27904}"/>
               </a:ext>
             </a:extLst>
           </p:cNvPr>
@@ -10111,7 +10008,7 @@
           <p:cNvPr id="23" name="타원 22">
             <a:extLst>
               <a:ext uri="{FF2B5EF4-FFF2-40B4-BE49-F238E27FC236}">
-                <a16:creationId xmlns="" xmlns:a16="http://schemas.microsoft.com/office/drawing/2014/main" id="{146EFEBA-E5C5-4E17-BB65-08E8DA348944}"/>
+                <a16:creationId xmlns:a16="http://schemas.microsoft.com/office/drawing/2014/main" xmlns="" id="{146EFEBA-E5C5-4E17-BB65-08E8DA348944}"/>
               </a:ext>
             </a:extLst>
           </p:cNvPr>
@@ -10496,7 +10393,7 @@
   <a:extraClrSchemeLst/>
   <a:extLst>
     <a:ext uri="{05A4C25C-085E-4340-85A3-A5531E510DB2}">
-      <thm15:themeFamily xmlns="" xmlns:thm15="http://schemas.microsoft.com/office/thememl/2012/main" name="Office Theme" id="{62F939B6-93AF-4DB8-9C6B-D6C7DFDC589F}" vid="{4A3C46E8-61CC-4603-A589-7422A47A8E4A}"/>
+      <thm15:themeFamily xmlns:thm15="http://schemas.microsoft.com/office/thememl/2012/main" xmlns="" name="Office Theme" id="{62F939B6-93AF-4DB8-9C6B-D6C7DFDC589F}" vid="{4A3C46E8-61CC-4603-A589-7422A47A8E4A}"/>
     </a:ext>
   </a:extLst>
 </a:theme>
